--- a/OwenHW5/Wireframe/Wireframe.pptx
+++ b/OwenHW5/Wireframe/Wireframe.pptx
@@ -246,7 +246,7 @@
           <a:p>
             <a:fld id="{3C33B3F8-327C-407E-A273-F7B1BDB5C8F0}" type="datetimeFigureOut">
               <a:rPr lang="zh-TW" altLang="en-US" smtClean="0"/>
-              <a:t>2016/3/25</a:t>
+              <a:t>2016/3/27</a:t>
             </a:fld>
             <a:endParaRPr lang="zh-TW" altLang="en-US"/>
           </a:p>
@@ -416,7 +416,7 @@
           <a:p>
             <a:fld id="{3C33B3F8-327C-407E-A273-F7B1BDB5C8F0}" type="datetimeFigureOut">
               <a:rPr lang="zh-TW" altLang="en-US" smtClean="0"/>
-              <a:t>2016/3/25</a:t>
+              <a:t>2016/3/27</a:t>
             </a:fld>
             <a:endParaRPr lang="zh-TW" altLang="en-US"/>
           </a:p>
@@ -596,7 +596,7 @@
           <a:p>
             <a:fld id="{3C33B3F8-327C-407E-A273-F7B1BDB5C8F0}" type="datetimeFigureOut">
               <a:rPr lang="zh-TW" altLang="en-US" smtClean="0"/>
-              <a:t>2016/3/25</a:t>
+              <a:t>2016/3/27</a:t>
             </a:fld>
             <a:endParaRPr lang="zh-TW" altLang="en-US"/>
           </a:p>
@@ -766,7 +766,7 @@
           <a:p>
             <a:fld id="{3C33B3F8-327C-407E-A273-F7B1BDB5C8F0}" type="datetimeFigureOut">
               <a:rPr lang="zh-TW" altLang="en-US" smtClean="0"/>
-              <a:t>2016/3/25</a:t>
+              <a:t>2016/3/27</a:t>
             </a:fld>
             <a:endParaRPr lang="zh-TW" altLang="en-US"/>
           </a:p>
@@ -1010,7 +1010,7 @@
           <a:p>
             <a:fld id="{3C33B3F8-327C-407E-A273-F7B1BDB5C8F0}" type="datetimeFigureOut">
               <a:rPr lang="zh-TW" altLang="en-US" smtClean="0"/>
-              <a:t>2016/3/25</a:t>
+              <a:t>2016/3/27</a:t>
             </a:fld>
             <a:endParaRPr lang="zh-TW" altLang="en-US"/>
           </a:p>
@@ -1242,7 +1242,7 @@
           <a:p>
             <a:fld id="{3C33B3F8-327C-407E-A273-F7B1BDB5C8F0}" type="datetimeFigureOut">
               <a:rPr lang="zh-TW" altLang="en-US" smtClean="0"/>
-              <a:t>2016/3/25</a:t>
+              <a:t>2016/3/27</a:t>
             </a:fld>
             <a:endParaRPr lang="zh-TW" altLang="en-US"/>
           </a:p>
@@ -1609,7 +1609,7 @@
           <a:p>
             <a:fld id="{3C33B3F8-327C-407E-A273-F7B1BDB5C8F0}" type="datetimeFigureOut">
               <a:rPr lang="zh-TW" altLang="en-US" smtClean="0"/>
-              <a:t>2016/3/25</a:t>
+              <a:t>2016/3/27</a:t>
             </a:fld>
             <a:endParaRPr lang="zh-TW" altLang="en-US"/>
           </a:p>
@@ -1727,7 +1727,7 @@
           <a:p>
             <a:fld id="{3C33B3F8-327C-407E-A273-F7B1BDB5C8F0}" type="datetimeFigureOut">
               <a:rPr lang="zh-TW" altLang="en-US" smtClean="0"/>
-              <a:t>2016/3/25</a:t>
+              <a:t>2016/3/27</a:t>
             </a:fld>
             <a:endParaRPr lang="zh-TW" altLang="en-US"/>
           </a:p>
@@ -1822,7 +1822,7 @@
           <a:p>
             <a:fld id="{3C33B3F8-327C-407E-A273-F7B1BDB5C8F0}" type="datetimeFigureOut">
               <a:rPr lang="zh-TW" altLang="en-US" smtClean="0"/>
-              <a:t>2016/3/25</a:t>
+              <a:t>2016/3/27</a:t>
             </a:fld>
             <a:endParaRPr lang="zh-TW" altLang="en-US"/>
           </a:p>
@@ -2099,7 +2099,7 @@
           <a:p>
             <a:fld id="{3C33B3F8-327C-407E-A273-F7B1BDB5C8F0}" type="datetimeFigureOut">
               <a:rPr lang="zh-TW" altLang="en-US" smtClean="0"/>
-              <a:t>2016/3/25</a:t>
+              <a:t>2016/3/27</a:t>
             </a:fld>
             <a:endParaRPr lang="zh-TW" altLang="en-US"/>
           </a:p>
@@ -2356,7 +2356,7 @@
           <a:p>
             <a:fld id="{3C33B3F8-327C-407E-A273-F7B1BDB5C8F0}" type="datetimeFigureOut">
               <a:rPr lang="zh-TW" altLang="en-US" smtClean="0"/>
-              <a:t>2016/3/25</a:t>
+              <a:t>2016/3/27</a:t>
             </a:fld>
             <a:endParaRPr lang="zh-TW" altLang="en-US"/>
           </a:p>
@@ -2569,7 +2569,7 @@
           <a:p>
             <a:fld id="{3C33B3F8-327C-407E-A273-F7B1BDB5C8F0}" type="datetimeFigureOut">
               <a:rPr lang="zh-TW" altLang="en-US" smtClean="0"/>
-              <a:t>2016/3/25</a:t>
+              <a:t>2016/3/27</a:t>
             </a:fld>
             <a:endParaRPr lang="zh-TW" altLang="en-US"/>
           </a:p>
@@ -4560,15 +4560,7 @@
           <a:p>
             <a:r>
               <a:rPr lang="en-US" altLang="zh-TW" dirty="0"/>
-              <a:t>HOME </a:t>
-            </a:r>
-            <a:r>
-              <a:rPr lang="en-US" altLang="zh-TW" dirty="0"/>
-              <a:t>ABOUT </a:t>
-            </a:r>
-            <a:r>
-              <a:rPr lang="en-US" altLang="zh-TW" dirty="0"/>
-              <a:t>PORTFOLIO BLOG CONTACT</a:t>
+              <a:t>HOME ABOUT PORTFOLIO BLOG CONTACT</a:t>
             </a:r>
             <a:endParaRPr lang="zh-TW" altLang="en-US" dirty="0"/>
           </a:p>
@@ -5653,298 +5645,6 @@
           </a:p>
         </p:txBody>
       </p:sp>
-      <p:cxnSp>
-        <p:nvCxnSpPr>
-          <p:cNvPr id="24" name="直線接點 23"/>
-          <p:cNvCxnSpPr/>
-          <p:nvPr/>
-        </p:nvCxnSpPr>
-        <p:spPr>
-          <a:xfrm>
-            <a:off x="0" y="1577094"/>
-            <a:ext cx="12188825" cy="0"/>
-          </a:xfrm>
-          <a:prstGeom prst="line">
-            <a:avLst/>
-          </a:prstGeom>
-        </p:spPr>
-        <p:style>
-          <a:lnRef idx="1">
-            <a:schemeClr val="accent1"/>
-          </a:lnRef>
-          <a:fillRef idx="0">
-            <a:schemeClr val="accent1"/>
-          </a:fillRef>
-          <a:effectRef idx="0">
-            <a:schemeClr val="accent1"/>
-          </a:effectRef>
-          <a:fontRef idx="minor">
-            <a:schemeClr val="tx1"/>
-          </a:fontRef>
-        </p:style>
-      </p:cxnSp>
-      <p:cxnSp>
-        <p:nvCxnSpPr>
-          <p:cNvPr id="26" name="直線接點 25"/>
-          <p:cNvCxnSpPr/>
-          <p:nvPr/>
-        </p:nvCxnSpPr>
-        <p:spPr>
-          <a:xfrm>
-            <a:off x="0" y="14847305"/>
-            <a:ext cx="12188825" cy="0"/>
-          </a:xfrm>
-          <a:prstGeom prst="line">
-            <a:avLst/>
-          </a:prstGeom>
-        </p:spPr>
-        <p:style>
-          <a:lnRef idx="1">
-            <a:schemeClr val="accent1"/>
-          </a:lnRef>
-          <a:fillRef idx="0">
-            <a:schemeClr val="accent1"/>
-          </a:fillRef>
-          <a:effectRef idx="0">
-            <a:schemeClr val="accent1"/>
-          </a:effectRef>
-          <a:fontRef idx="minor">
-            <a:schemeClr val="tx1"/>
-          </a:fontRef>
-        </p:style>
-      </p:cxnSp>
-      <p:grpSp>
-        <p:nvGrpSpPr>
-          <p:cNvPr id="32" name="群組 31"/>
-          <p:cNvGrpSpPr/>
-          <p:nvPr/>
-        </p:nvGrpSpPr>
-        <p:grpSpPr>
-          <a:xfrm>
-            <a:off x="1081669" y="335810"/>
-            <a:ext cx="2884334" cy="905477"/>
-            <a:chOff x="-4978400" y="1409700"/>
-            <a:chExt cx="2273300" cy="1384300"/>
-          </a:xfrm>
-        </p:grpSpPr>
-        <p:sp>
-          <p:nvSpPr>
-            <p:cNvPr id="27" name="矩形 26"/>
-            <p:cNvSpPr/>
-            <p:nvPr/>
-          </p:nvSpPr>
-          <p:spPr>
-            <a:xfrm>
-              <a:off x="-4978400" y="1422400"/>
-              <a:ext cx="2260600" cy="1358900"/>
-            </a:xfrm>
-            <a:prstGeom prst="rect">
-              <a:avLst/>
-            </a:prstGeom>
-            <a:noFill/>
-          </p:spPr>
-          <p:style>
-            <a:lnRef idx="2">
-              <a:schemeClr val="accent1">
-                <a:shade val="50000"/>
-              </a:schemeClr>
-            </a:lnRef>
-            <a:fillRef idx="1">
-              <a:schemeClr val="accent1"/>
-            </a:fillRef>
-            <a:effectRef idx="0">
-              <a:schemeClr val="accent1"/>
-            </a:effectRef>
-            <a:fontRef idx="minor">
-              <a:schemeClr val="lt1"/>
-            </a:fontRef>
-          </p:style>
-          <p:txBody>
-            <a:bodyPr rtlCol="0" anchor="ctr"/>
-            <a:lstStyle/>
-            <a:p>
-              <a:pPr algn="ctr"/>
-              <a:endParaRPr lang="zh-TW" altLang="en-US"/>
-            </a:p>
-          </p:txBody>
-        </p:sp>
-        <p:cxnSp>
-          <p:nvCxnSpPr>
-            <p:cNvPr id="29" name="直線接點 28"/>
-            <p:cNvCxnSpPr/>
-            <p:nvPr/>
-          </p:nvCxnSpPr>
-          <p:spPr>
-            <a:xfrm>
-              <a:off x="-4965700" y="1409700"/>
-              <a:ext cx="2260600" cy="1384300"/>
-            </a:xfrm>
-            <a:prstGeom prst="line">
-              <a:avLst/>
-            </a:prstGeom>
-          </p:spPr>
-          <p:style>
-            <a:lnRef idx="1">
-              <a:schemeClr val="accent1"/>
-            </a:lnRef>
-            <a:fillRef idx="0">
-              <a:schemeClr val="accent1"/>
-            </a:fillRef>
-            <a:effectRef idx="0">
-              <a:schemeClr val="accent1"/>
-            </a:effectRef>
-            <a:fontRef idx="minor">
-              <a:schemeClr val="tx1"/>
-            </a:fontRef>
-          </p:style>
-        </p:cxnSp>
-        <p:cxnSp>
-          <p:nvCxnSpPr>
-            <p:cNvPr id="31" name="直線接點 30"/>
-            <p:cNvCxnSpPr/>
-            <p:nvPr/>
-          </p:nvCxnSpPr>
-          <p:spPr>
-            <a:xfrm flipH="1">
-              <a:off x="-4978400" y="1422400"/>
-              <a:ext cx="2260600" cy="1358900"/>
-            </a:xfrm>
-            <a:prstGeom prst="line">
-              <a:avLst/>
-            </a:prstGeom>
-          </p:spPr>
-          <p:style>
-            <a:lnRef idx="1">
-              <a:schemeClr val="accent1"/>
-            </a:lnRef>
-            <a:fillRef idx="0">
-              <a:schemeClr val="accent1"/>
-            </a:fillRef>
-            <a:effectRef idx="0">
-              <a:schemeClr val="accent1"/>
-            </a:effectRef>
-            <a:fontRef idx="minor">
-              <a:schemeClr val="tx1"/>
-            </a:fontRef>
-          </p:style>
-        </p:cxnSp>
-      </p:grpSp>
-      <p:grpSp>
-        <p:nvGrpSpPr>
-          <p:cNvPr id="33" name="群組 32"/>
-          <p:cNvGrpSpPr/>
-          <p:nvPr/>
-        </p:nvGrpSpPr>
-        <p:grpSpPr>
-          <a:xfrm>
-            <a:off x="10150736" y="14998384"/>
-            <a:ext cx="627659" cy="596951"/>
-            <a:chOff x="-4978400" y="1409700"/>
-            <a:chExt cx="2273300" cy="1384300"/>
-          </a:xfrm>
-        </p:grpSpPr>
-        <p:sp>
-          <p:nvSpPr>
-            <p:cNvPr id="34" name="矩形 33"/>
-            <p:cNvSpPr/>
-            <p:nvPr/>
-          </p:nvSpPr>
-          <p:spPr>
-            <a:xfrm>
-              <a:off x="-4978400" y="1422400"/>
-              <a:ext cx="2260600" cy="1358900"/>
-            </a:xfrm>
-            <a:prstGeom prst="rect">
-              <a:avLst/>
-            </a:prstGeom>
-            <a:noFill/>
-          </p:spPr>
-          <p:style>
-            <a:lnRef idx="2">
-              <a:schemeClr val="accent1">
-                <a:shade val="50000"/>
-              </a:schemeClr>
-            </a:lnRef>
-            <a:fillRef idx="1">
-              <a:schemeClr val="accent1"/>
-            </a:fillRef>
-            <a:effectRef idx="0">
-              <a:schemeClr val="accent1"/>
-            </a:effectRef>
-            <a:fontRef idx="minor">
-              <a:schemeClr val="lt1"/>
-            </a:fontRef>
-          </p:style>
-          <p:txBody>
-            <a:bodyPr rtlCol="0" anchor="ctr"/>
-            <a:lstStyle/>
-            <a:p>
-              <a:pPr algn="ctr"/>
-              <a:endParaRPr lang="zh-TW" altLang="en-US"/>
-            </a:p>
-          </p:txBody>
-        </p:sp>
-        <p:cxnSp>
-          <p:nvCxnSpPr>
-            <p:cNvPr id="35" name="直線接點 34"/>
-            <p:cNvCxnSpPr/>
-            <p:nvPr/>
-          </p:nvCxnSpPr>
-          <p:spPr>
-            <a:xfrm>
-              <a:off x="-4965700" y="1409700"/>
-              <a:ext cx="2260600" cy="1384300"/>
-            </a:xfrm>
-            <a:prstGeom prst="line">
-              <a:avLst/>
-            </a:prstGeom>
-          </p:spPr>
-          <p:style>
-            <a:lnRef idx="1">
-              <a:schemeClr val="accent1"/>
-            </a:lnRef>
-            <a:fillRef idx="0">
-              <a:schemeClr val="accent1"/>
-            </a:fillRef>
-            <a:effectRef idx="0">
-              <a:schemeClr val="accent1"/>
-            </a:effectRef>
-            <a:fontRef idx="minor">
-              <a:schemeClr val="tx1"/>
-            </a:fontRef>
-          </p:style>
-        </p:cxnSp>
-        <p:cxnSp>
-          <p:nvCxnSpPr>
-            <p:cNvPr id="36" name="直線接點 35"/>
-            <p:cNvCxnSpPr/>
-            <p:nvPr/>
-          </p:nvCxnSpPr>
-          <p:spPr>
-            <a:xfrm flipH="1">
-              <a:off x="-4978400" y="1422400"/>
-              <a:ext cx="2260600" cy="1358900"/>
-            </a:xfrm>
-            <a:prstGeom prst="line">
-              <a:avLst/>
-            </a:prstGeom>
-          </p:spPr>
-          <p:style>
-            <a:lnRef idx="1">
-              <a:schemeClr val="accent1"/>
-            </a:lnRef>
-            <a:fillRef idx="0">
-              <a:schemeClr val="accent1"/>
-            </a:fillRef>
-            <a:effectRef idx="0">
-              <a:schemeClr val="accent1"/>
-            </a:effectRef>
-            <a:fontRef idx="minor">
-              <a:schemeClr val="tx1"/>
-            </a:fontRef>
-          </p:style>
-        </p:cxnSp>
-      </p:grpSp>
       <p:sp>
         <p:nvSpPr>
           <p:cNvPr id="45" name="矩形 44"/>
@@ -5953,13 +5653,16 @@
         </p:nvSpPr>
         <p:spPr>
           <a:xfrm>
-            <a:off x="1382638" y="14998384"/>
+            <a:off x="-281676" y="14998384"/>
             <a:ext cx="2936643" cy="488480"/>
           </a:xfrm>
           <a:prstGeom prst="rect">
             <a:avLst/>
           </a:prstGeom>
           <a:noFill/>
+          <a:ln>
+            <a:noFill/>
+          </a:ln>
         </p:spPr>
         <p:style>
           <a:lnRef idx="2">
@@ -5983,7 +5686,7 @@
           <a:p>
             <a:pPr algn="ctr"/>
             <a:r>
-              <a:rPr lang="en-US" altLang="zh-TW">
+              <a:rPr lang="en-US" altLang="zh-TW" dirty="0">
                 <a:solidFill>
                   <a:schemeClr val="tx1"/>
                 </a:solidFill>
@@ -6000,19 +5703,21 @@
       </p:sp>
       <p:sp>
         <p:nvSpPr>
-          <p:cNvPr id="46" name="矩形 45"/>
+          <p:cNvPr id="48" name="矩形 47"/>
           <p:cNvSpPr/>
           <p:nvPr/>
         </p:nvSpPr>
         <p:spPr>
           <a:xfrm>
-            <a:off x="5924144" y="485259"/>
-            <a:ext cx="4854252" cy="606577"/>
+            <a:off x="1066562" y="1944243"/>
+            <a:ext cx="9999522" cy="5111052"/>
           </a:xfrm>
           <a:prstGeom prst="rect">
             <a:avLst/>
           </a:prstGeom>
-          <a:noFill/>
+          <a:solidFill>
+            <a:srgbClr val="8CC8FF"/>
+          </a:solidFill>
         </p:spPr>
         <p:style>
           <a:lnRef idx="2">
@@ -6039,284 +5744,6 @@
           </a:p>
         </p:txBody>
       </p:sp>
-      <p:grpSp>
-        <p:nvGrpSpPr>
-          <p:cNvPr id="47" name="群組 46"/>
-          <p:cNvGrpSpPr/>
-          <p:nvPr/>
-        </p:nvGrpSpPr>
-        <p:grpSpPr>
-          <a:xfrm>
-            <a:off x="1066562" y="1896476"/>
-            <a:ext cx="10055699" cy="5206586"/>
-            <a:chOff x="-4978400" y="1409700"/>
-            <a:chExt cx="2273300" cy="1384300"/>
-          </a:xfrm>
-          <a:solidFill>
-            <a:srgbClr val="8CC8FF"/>
-          </a:solidFill>
-        </p:grpSpPr>
-        <p:sp>
-          <p:nvSpPr>
-            <p:cNvPr id="48" name="矩形 47"/>
-            <p:cNvSpPr/>
-            <p:nvPr/>
-          </p:nvSpPr>
-          <p:spPr>
-            <a:xfrm>
-              <a:off x="-4978400" y="1422400"/>
-              <a:ext cx="2260600" cy="1358900"/>
-            </a:xfrm>
-            <a:prstGeom prst="rect">
-              <a:avLst/>
-            </a:prstGeom>
-            <a:grpFill/>
-          </p:spPr>
-          <p:style>
-            <a:lnRef idx="2">
-              <a:schemeClr val="accent1">
-                <a:shade val="50000"/>
-              </a:schemeClr>
-            </a:lnRef>
-            <a:fillRef idx="1">
-              <a:schemeClr val="accent1"/>
-            </a:fillRef>
-            <a:effectRef idx="0">
-              <a:schemeClr val="accent1"/>
-            </a:effectRef>
-            <a:fontRef idx="minor">
-              <a:schemeClr val="lt1"/>
-            </a:fontRef>
-          </p:style>
-          <p:txBody>
-            <a:bodyPr rtlCol="0" anchor="ctr"/>
-            <a:lstStyle/>
-            <a:p>
-              <a:pPr algn="ctr"/>
-              <a:endParaRPr lang="zh-TW" altLang="en-US"/>
-            </a:p>
-          </p:txBody>
-        </p:sp>
-        <p:cxnSp>
-          <p:nvCxnSpPr>
-            <p:cNvPr id="49" name="直線接點 48"/>
-            <p:cNvCxnSpPr/>
-            <p:nvPr/>
-          </p:nvCxnSpPr>
-          <p:spPr>
-            <a:xfrm>
-              <a:off x="-4965700" y="1409700"/>
-              <a:ext cx="2260600" cy="1384300"/>
-            </a:xfrm>
-            <a:prstGeom prst="line">
-              <a:avLst/>
-            </a:prstGeom>
-            <a:grpFill/>
-          </p:spPr>
-          <p:style>
-            <a:lnRef idx="1">
-              <a:schemeClr val="accent1"/>
-            </a:lnRef>
-            <a:fillRef idx="0">
-              <a:schemeClr val="accent1"/>
-            </a:fillRef>
-            <a:effectRef idx="0">
-              <a:schemeClr val="accent1"/>
-            </a:effectRef>
-            <a:fontRef idx="minor">
-              <a:schemeClr val="tx1"/>
-            </a:fontRef>
-          </p:style>
-        </p:cxnSp>
-        <p:cxnSp>
-          <p:nvCxnSpPr>
-            <p:cNvPr id="50" name="直線接點 49"/>
-            <p:cNvCxnSpPr/>
-            <p:nvPr/>
-          </p:nvCxnSpPr>
-          <p:spPr>
-            <a:xfrm flipH="1">
-              <a:off x="-4978400" y="1422400"/>
-              <a:ext cx="2260600" cy="1358900"/>
-            </a:xfrm>
-            <a:prstGeom prst="line">
-              <a:avLst/>
-            </a:prstGeom>
-            <a:grpFill/>
-          </p:spPr>
-          <p:style>
-            <a:lnRef idx="1">
-              <a:schemeClr val="accent1"/>
-            </a:lnRef>
-            <a:fillRef idx="0">
-              <a:schemeClr val="accent1"/>
-            </a:fillRef>
-            <a:effectRef idx="0">
-              <a:schemeClr val="accent1"/>
-            </a:effectRef>
-            <a:fontRef idx="minor">
-              <a:schemeClr val="tx1"/>
-            </a:fontRef>
-          </p:style>
-        </p:cxnSp>
-      </p:grpSp>
-      <p:sp>
-        <p:nvSpPr>
-          <p:cNvPr id="51" name="矩形 50"/>
-          <p:cNvSpPr/>
-          <p:nvPr/>
-        </p:nvSpPr>
-        <p:spPr>
-          <a:xfrm>
-            <a:off x="1066563" y="7422444"/>
-            <a:ext cx="10055698" cy="3057446"/>
-          </a:xfrm>
-          <a:prstGeom prst="rect">
-            <a:avLst/>
-          </a:prstGeom>
-          <a:noFill/>
-        </p:spPr>
-        <p:style>
-          <a:lnRef idx="2">
-            <a:schemeClr val="accent1">
-              <a:shade val="50000"/>
-            </a:schemeClr>
-          </a:lnRef>
-          <a:fillRef idx="1">
-            <a:schemeClr val="accent1"/>
-          </a:fillRef>
-          <a:effectRef idx="0">
-            <a:schemeClr val="accent1"/>
-          </a:effectRef>
-          <a:fontRef idx="minor">
-            <a:schemeClr val="lt1"/>
-          </a:fontRef>
-        </p:style>
-        <p:txBody>
-          <a:bodyPr rtlCol="0" anchor="ctr"/>
-          <a:lstStyle/>
-          <a:p>
-            <a:pPr algn="ctr"/>
-            <a:endParaRPr lang="zh-TW" altLang="en-US"/>
-          </a:p>
-        </p:txBody>
-      </p:sp>
-      <p:grpSp>
-        <p:nvGrpSpPr>
-          <p:cNvPr id="52" name="群組 51"/>
-          <p:cNvGrpSpPr/>
-          <p:nvPr/>
-        </p:nvGrpSpPr>
-        <p:grpSpPr>
-          <a:xfrm>
-            <a:off x="1081669" y="10854882"/>
-            <a:ext cx="4842474" cy="3565441"/>
-            <a:chOff x="-4978400" y="1409700"/>
-            <a:chExt cx="2273300" cy="1384300"/>
-          </a:xfrm>
-        </p:grpSpPr>
-        <p:sp>
-          <p:nvSpPr>
-            <p:cNvPr id="53" name="矩形 52"/>
-            <p:cNvSpPr/>
-            <p:nvPr/>
-          </p:nvSpPr>
-          <p:spPr>
-            <a:xfrm>
-              <a:off x="-4978400" y="1422400"/>
-              <a:ext cx="2260600" cy="1358900"/>
-            </a:xfrm>
-            <a:prstGeom prst="rect">
-              <a:avLst/>
-            </a:prstGeom>
-            <a:noFill/>
-          </p:spPr>
-          <p:style>
-            <a:lnRef idx="2">
-              <a:schemeClr val="accent1">
-                <a:shade val="50000"/>
-              </a:schemeClr>
-            </a:lnRef>
-            <a:fillRef idx="1">
-              <a:schemeClr val="accent1"/>
-            </a:fillRef>
-            <a:effectRef idx="0">
-              <a:schemeClr val="accent1"/>
-            </a:effectRef>
-            <a:fontRef idx="minor">
-              <a:schemeClr val="lt1"/>
-            </a:fontRef>
-          </p:style>
-          <p:txBody>
-            <a:bodyPr rtlCol="0" anchor="ctr"/>
-            <a:lstStyle/>
-            <a:p>
-              <a:pPr algn="ctr"/>
-              <a:endParaRPr lang="zh-TW" altLang="en-US"/>
-            </a:p>
-          </p:txBody>
-        </p:sp>
-        <p:cxnSp>
-          <p:nvCxnSpPr>
-            <p:cNvPr id="54" name="直線接點 53"/>
-            <p:cNvCxnSpPr/>
-            <p:nvPr/>
-          </p:nvCxnSpPr>
-          <p:spPr>
-            <a:xfrm>
-              <a:off x="-4965700" y="1409700"/>
-              <a:ext cx="2260600" cy="1384300"/>
-            </a:xfrm>
-            <a:prstGeom prst="line">
-              <a:avLst/>
-            </a:prstGeom>
-          </p:spPr>
-          <p:style>
-            <a:lnRef idx="1">
-              <a:schemeClr val="accent1"/>
-            </a:lnRef>
-            <a:fillRef idx="0">
-              <a:schemeClr val="accent1"/>
-            </a:fillRef>
-            <a:effectRef idx="0">
-              <a:schemeClr val="accent1"/>
-            </a:effectRef>
-            <a:fontRef idx="minor">
-              <a:schemeClr val="tx1"/>
-            </a:fontRef>
-          </p:style>
-        </p:cxnSp>
-        <p:cxnSp>
-          <p:nvCxnSpPr>
-            <p:cNvPr id="55" name="直線接點 54"/>
-            <p:cNvCxnSpPr/>
-            <p:nvPr/>
-          </p:nvCxnSpPr>
-          <p:spPr>
-            <a:xfrm flipH="1">
-              <a:off x="-4978400" y="1422400"/>
-              <a:ext cx="2260600" cy="1358900"/>
-            </a:xfrm>
-            <a:prstGeom prst="line">
-              <a:avLst/>
-            </a:prstGeom>
-          </p:spPr>
-          <p:style>
-            <a:lnRef idx="1">
-              <a:schemeClr val="accent1"/>
-            </a:lnRef>
-            <a:fillRef idx="0">
-              <a:schemeClr val="accent1"/>
-            </a:fillRef>
-            <a:effectRef idx="0">
-              <a:schemeClr val="accent1"/>
-            </a:effectRef>
-            <a:fontRef idx="minor">
-              <a:schemeClr val="tx1"/>
-            </a:fontRef>
-          </p:style>
-        </p:cxnSp>
-      </p:grpSp>
       <p:sp>
         <p:nvSpPr>
           <p:cNvPr id="56" name="矩形 55"/>
@@ -6358,238 +5785,6 @@
           </a:p>
         </p:txBody>
       </p:sp>
-      <p:grpSp>
-        <p:nvGrpSpPr>
-          <p:cNvPr id="57" name="群組 56"/>
-          <p:cNvGrpSpPr/>
-          <p:nvPr/>
-        </p:nvGrpSpPr>
-        <p:grpSpPr>
-          <a:xfrm>
-            <a:off x="1422326" y="7826676"/>
-            <a:ext cx="2564975" cy="2248982"/>
-            <a:chOff x="-4978400" y="1409700"/>
-            <a:chExt cx="2273300" cy="1384300"/>
-          </a:xfrm>
-        </p:grpSpPr>
-        <p:sp>
-          <p:nvSpPr>
-            <p:cNvPr id="58" name="矩形 57"/>
-            <p:cNvSpPr/>
-            <p:nvPr/>
-          </p:nvSpPr>
-          <p:spPr>
-            <a:xfrm>
-              <a:off x="-4978400" y="1422400"/>
-              <a:ext cx="2260600" cy="1358900"/>
-            </a:xfrm>
-            <a:prstGeom prst="rect">
-              <a:avLst/>
-            </a:prstGeom>
-            <a:noFill/>
-          </p:spPr>
-          <p:style>
-            <a:lnRef idx="2">
-              <a:schemeClr val="accent1">
-                <a:shade val="50000"/>
-              </a:schemeClr>
-            </a:lnRef>
-            <a:fillRef idx="1">
-              <a:schemeClr val="accent1"/>
-            </a:fillRef>
-            <a:effectRef idx="0">
-              <a:schemeClr val="accent1"/>
-            </a:effectRef>
-            <a:fontRef idx="minor">
-              <a:schemeClr val="lt1"/>
-            </a:fontRef>
-          </p:style>
-          <p:txBody>
-            <a:bodyPr rtlCol="0" anchor="ctr"/>
-            <a:lstStyle/>
-            <a:p>
-              <a:pPr algn="ctr"/>
-              <a:endParaRPr lang="zh-TW" altLang="en-US"/>
-            </a:p>
-          </p:txBody>
-        </p:sp>
-        <p:cxnSp>
-          <p:nvCxnSpPr>
-            <p:cNvPr id="59" name="直線接點 58"/>
-            <p:cNvCxnSpPr/>
-            <p:nvPr/>
-          </p:nvCxnSpPr>
-          <p:spPr>
-            <a:xfrm>
-              <a:off x="-4965700" y="1409700"/>
-              <a:ext cx="2260600" cy="1384300"/>
-            </a:xfrm>
-            <a:prstGeom prst="line">
-              <a:avLst/>
-            </a:prstGeom>
-          </p:spPr>
-          <p:style>
-            <a:lnRef idx="1">
-              <a:schemeClr val="accent1"/>
-            </a:lnRef>
-            <a:fillRef idx="0">
-              <a:schemeClr val="accent1"/>
-            </a:fillRef>
-            <a:effectRef idx="0">
-              <a:schemeClr val="accent1"/>
-            </a:effectRef>
-            <a:fontRef idx="minor">
-              <a:schemeClr val="tx1"/>
-            </a:fontRef>
-          </p:style>
-        </p:cxnSp>
-        <p:cxnSp>
-          <p:nvCxnSpPr>
-            <p:cNvPr id="60" name="直線接點 59"/>
-            <p:cNvCxnSpPr/>
-            <p:nvPr/>
-          </p:nvCxnSpPr>
-          <p:spPr>
-            <a:xfrm flipH="1">
-              <a:off x="-4978400" y="1422400"/>
-              <a:ext cx="2260600" cy="1358900"/>
-            </a:xfrm>
-            <a:prstGeom prst="line">
-              <a:avLst/>
-            </a:prstGeom>
-          </p:spPr>
-          <p:style>
-            <a:lnRef idx="1">
-              <a:schemeClr val="accent1"/>
-            </a:lnRef>
-            <a:fillRef idx="0">
-              <a:schemeClr val="accent1"/>
-            </a:fillRef>
-            <a:effectRef idx="0">
-              <a:schemeClr val="accent1"/>
-            </a:effectRef>
-            <a:fontRef idx="minor">
-              <a:schemeClr val="tx1"/>
-            </a:fontRef>
-          </p:style>
-        </p:cxnSp>
-      </p:grpSp>
-      <p:grpSp>
-        <p:nvGrpSpPr>
-          <p:cNvPr id="73" name="群組 72"/>
-          <p:cNvGrpSpPr/>
-          <p:nvPr/>
-        </p:nvGrpSpPr>
-        <p:grpSpPr>
-          <a:xfrm>
-            <a:off x="8259335" y="7826677"/>
-            <a:ext cx="2502067" cy="2248981"/>
-            <a:chOff x="-4978400" y="1409700"/>
-            <a:chExt cx="2273300" cy="1384300"/>
-          </a:xfrm>
-        </p:grpSpPr>
-        <p:sp>
-          <p:nvSpPr>
-            <p:cNvPr id="74" name="矩形 73"/>
-            <p:cNvSpPr/>
-            <p:nvPr/>
-          </p:nvSpPr>
-          <p:spPr>
-            <a:xfrm>
-              <a:off x="-4978400" y="1422400"/>
-              <a:ext cx="2260600" cy="1358900"/>
-            </a:xfrm>
-            <a:prstGeom prst="rect">
-              <a:avLst/>
-            </a:prstGeom>
-            <a:noFill/>
-          </p:spPr>
-          <p:style>
-            <a:lnRef idx="2">
-              <a:schemeClr val="accent1">
-                <a:shade val="50000"/>
-              </a:schemeClr>
-            </a:lnRef>
-            <a:fillRef idx="1">
-              <a:schemeClr val="accent1"/>
-            </a:fillRef>
-            <a:effectRef idx="0">
-              <a:schemeClr val="accent1"/>
-            </a:effectRef>
-            <a:fontRef idx="minor">
-              <a:schemeClr val="lt1"/>
-            </a:fontRef>
-          </p:style>
-          <p:txBody>
-            <a:bodyPr rtlCol="0" anchor="ctr"/>
-            <a:lstStyle/>
-            <a:p>
-              <a:pPr algn="ctr"/>
-              <a:endParaRPr lang="zh-TW" altLang="en-US"/>
-            </a:p>
-          </p:txBody>
-        </p:sp>
-        <p:cxnSp>
-          <p:nvCxnSpPr>
-            <p:cNvPr id="75" name="直線接點 74"/>
-            <p:cNvCxnSpPr/>
-            <p:nvPr/>
-          </p:nvCxnSpPr>
-          <p:spPr>
-            <a:xfrm>
-              <a:off x="-4965700" y="1409700"/>
-              <a:ext cx="2260600" cy="1384300"/>
-            </a:xfrm>
-            <a:prstGeom prst="line">
-              <a:avLst/>
-            </a:prstGeom>
-          </p:spPr>
-          <p:style>
-            <a:lnRef idx="1">
-              <a:schemeClr val="accent1"/>
-            </a:lnRef>
-            <a:fillRef idx="0">
-              <a:schemeClr val="accent1"/>
-            </a:fillRef>
-            <a:effectRef idx="0">
-              <a:schemeClr val="accent1"/>
-            </a:effectRef>
-            <a:fontRef idx="minor">
-              <a:schemeClr val="tx1"/>
-            </a:fontRef>
-          </p:style>
-        </p:cxnSp>
-        <p:cxnSp>
-          <p:nvCxnSpPr>
-            <p:cNvPr id="76" name="直線接點 75"/>
-            <p:cNvCxnSpPr/>
-            <p:nvPr/>
-          </p:nvCxnSpPr>
-          <p:spPr>
-            <a:xfrm flipH="1">
-              <a:off x="-4978400" y="1422400"/>
-              <a:ext cx="2260600" cy="1358900"/>
-            </a:xfrm>
-            <a:prstGeom prst="line">
-              <a:avLst/>
-            </a:prstGeom>
-          </p:spPr>
-          <p:style>
-            <a:lnRef idx="1">
-              <a:schemeClr val="accent1"/>
-            </a:lnRef>
-            <a:fillRef idx="0">
-              <a:schemeClr val="accent1"/>
-            </a:fillRef>
-            <a:effectRef idx="0">
-              <a:schemeClr val="accent1"/>
-            </a:effectRef>
-            <a:fontRef idx="minor">
-              <a:schemeClr val="tx1"/>
-            </a:fontRef>
-          </p:style>
-        </p:cxnSp>
-      </p:grpSp>
       <p:sp>
         <p:nvSpPr>
           <p:cNvPr id="4" name="文字方塊 3"/>
@@ -6598,8 +5793,8 @@
         </p:nvSpPr>
         <p:spPr>
           <a:xfrm>
-            <a:off x="6279773" y="603882"/>
-            <a:ext cx="5463483" cy="461665"/>
+            <a:off x="4661297" y="681754"/>
+            <a:ext cx="7669215" cy="461665"/>
           </a:xfrm>
           <a:prstGeom prst="rect">
             <a:avLst/>
@@ -6613,15 +5808,23 @@
           <a:lstStyle/>
           <a:p>
             <a:r>
-              <a:rPr lang="en-US" altLang="zh-TW" sz="2400" dirty="0">
+              <a:rPr lang="en-US" altLang="zh-TW" sz="2400" dirty="0" smtClean="0">
                 <a:solidFill>
                   <a:schemeClr val="bg1"/>
                 </a:solidFill>
               </a:rPr>
-              <a:t>HOME </a:t>
-            </a:r>
-            <a:r>
-              <a:rPr lang="en-US" altLang="zh-TW" sz="2400" dirty="0">
+              <a:t>HOME</a:t>
+            </a:r>
+            <a:r>
+              <a:rPr lang="zh-TW" altLang="en-US" sz="2400" dirty="0" smtClean="0">
+                <a:solidFill>
+                  <a:schemeClr val="bg1"/>
+                </a:solidFill>
+              </a:rPr>
+              <a:t>        </a:t>
+            </a:r>
+            <a:r>
+              <a:rPr lang="en-US" altLang="zh-TW" sz="2400" dirty="0" smtClean="0">
                 <a:solidFill>
                   <a:schemeClr val="bg1"/>
                 </a:solidFill>
@@ -6629,12 +5832,68 @@
               <a:t>ABOUT </a:t>
             </a:r>
             <a:r>
-              <a:rPr lang="en-US" altLang="zh-TW" sz="2400" dirty="0">
+              <a:rPr lang="zh-TW" altLang="en-US" sz="2400" dirty="0" smtClean="0">
                 <a:solidFill>
                   <a:schemeClr val="bg1"/>
                 </a:solidFill>
               </a:rPr>
-              <a:t>PORTFOLIO BLOG CONTACT</a:t>
+              <a:t>       </a:t>
+            </a:r>
+            <a:r>
+              <a:rPr lang="en-US" altLang="zh-TW" sz="2400" dirty="0" smtClean="0">
+                <a:solidFill>
+                  <a:schemeClr val="bg1"/>
+                </a:solidFill>
+              </a:rPr>
+              <a:t>PORTFOLIO</a:t>
+            </a:r>
+            <a:r>
+              <a:rPr lang="zh-TW" altLang="en-US" sz="2400" dirty="0" smtClean="0">
+                <a:solidFill>
+                  <a:schemeClr val="bg1"/>
+                </a:solidFill>
+              </a:rPr>
+              <a:t>   </a:t>
+            </a:r>
+            <a:r>
+              <a:rPr lang="en-US" altLang="zh-TW" sz="2400" dirty="0" smtClean="0">
+                <a:solidFill>
+                  <a:schemeClr val="bg1"/>
+                </a:solidFill>
+              </a:rPr>
+              <a:t> </a:t>
+            </a:r>
+            <a:r>
+              <a:rPr lang="zh-TW" altLang="en-US" sz="2400" dirty="0" smtClean="0">
+                <a:solidFill>
+                  <a:schemeClr val="bg1"/>
+                </a:solidFill>
+              </a:rPr>
+              <a:t>    </a:t>
+            </a:r>
+            <a:r>
+              <a:rPr lang="en-US" altLang="zh-TW" sz="2400" dirty="0" smtClean="0">
+                <a:solidFill>
+                  <a:schemeClr val="bg1"/>
+                </a:solidFill>
+              </a:rPr>
+              <a:t>BLOG </a:t>
+            </a:r>
+            <a:r>
+              <a:rPr lang="zh-TW" altLang="en-US" sz="2400" dirty="0" smtClean="0">
+                <a:solidFill>
+                  <a:schemeClr val="bg1"/>
+                </a:solidFill>
+              </a:rPr>
+              <a:t>       </a:t>
+            </a:r>
+            <a:r>
+              <a:rPr lang="en-US" altLang="zh-TW" sz="2400" dirty="0" smtClean="0">
+                <a:solidFill>
+                  <a:schemeClr val="bg1"/>
+                </a:solidFill>
+              </a:rPr>
+              <a:t>CONTACT</a:t>
             </a:r>
             <a:endParaRPr lang="zh-TW" altLang="en-US" sz="2400" dirty="0">
               <a:solidFill>
@@ -6644,354 +5903,6 @@
           </a:p>
         </p:txBody>
       </p:sp>
-      <p:grpSp>
-        <p:nvGrpSpPr>
-          <p:cNvPr id="88" name="群組 87"/>
-          <p:cNvGrpSpPr/>
-          <p:nvPr/>
-        </p:nvGrpSpPr>
-        <p:grpSpPr>
-          <a:xfrm>
-            <a:off x="4872285" y="7826677"/>
-            <a:ext cx="2502067" cy="2248981"/>
-            <a:chOff x="-4978400" y="1409700"/>
-            <a:chExt cx="2273300" cy="1384300"/>
-          </a:xfrm>
-        </p:grpSpPr>
-        <p:sp>
-          <p:nvSpPr>
-            <p:cNvPr id="89" name="矩形 88"/>
-            <p:cNvSpPr/>
-            <p:nvPr/>
-          </p:nvSpPr>
-          <p:spPr>
-            <a:xfrm>
-              <a:off x="-4978400" y="1422400"/>
-              <a:ext cx="2260600" cy="1358900"/>
-            </a:xfrm>
-            <a:prstGeom prst="rect">
-              <a:avLst/>
-            </a:prstGeom>
-            <a:noFill/>
-          </p:spPr>
-          <p:style>
-            <a:lnRef idx="2">
-              <a:schemeClr val="accent1">
-                <a:shade val="50000"/>
-              </a:schemeClr>
-            </a:lnRef>
-            <a:fillRef idx="1">
-              <a:schemeClr val="accent1"/>
-            </a:fillRef>
-            <a:effectRef idx="0">
-              <a:schemeClr val="accent1"/>
-            </a:effectRef>
-            <a:fontRef idx="minor">
-              <a:schemeClr val="lt1"/>
-            </a:fontRef>
-          </p:style>
-          <p:txBody>
-            <a:bodyPr rtlCol="0" anchor="ctr"/>
-            <a:lstStyle/>
-            <a:p>
-              <a:pPr algn="ctr"/>
-              <a:endParaRPr lang="zh-TW" altLang="en-US"/>
-            </a:p>
-          </p:txBody>
-        </p:sp>
-        <p:cxnSp>
-          <p:nvCxnSpPr>
-            <p:cNvPr id="90" name="直線接點 89"/>
-            <p:cNvCxnSpPr/>
-            <p:nvPr/>
-          </p:nvCxnSpPr>
-          <p:spPr>
-            <a:xfrm>
-              <a:off x="-4965700" y="1409700"/>
-              <a:ext cx="2260600" cy="1384300"/>
-            </a:xfrm>
-            <a:prstGeom prst="line">
-              <a:avLst/>
-            </a:prstGeom>
-          </p:spPr>
-          <p:style>
-            <a:lnRef idx="1">
-              <a:schemeClr val="accent1"/>
-            </a:lnRef>
-            <a:fillRef idx="0">
-              <a:schemeClr val="accent1"/>
-            </a:fillRef>
-            <a:effectRef idx="0">
-              <a:schemeClr val="accent1"/>
-            </a:effectRef>
-            <a:fontRef idx="minor">
-              <a:schemeClr val="tx1"/>
-            </a:fontRef>
-          </p:style>
-        </p:cxnSp>
-        <p:cxnSp>
-          <p:nvCxnSpPr>
-            <p:cNvPr id="91" name="直線接點 90"/>
-            <p:cNvCxnSpPr/>
-            <p:nvPr/>
-          </p:nvCxnSpPr>
-          <p:spPr>
-            <a:xfrm flipH="1">
-              <a:off x="-4978400" y="1422400"/>
-              <a:ext cx="2260600" cy="1358900"/>
-            </a:xfrm>
-            <a:prstGeom prst="line">
-              <a:avLst/>
-            </a:prstGeom>
-          </p:spPr>
-          <p:style>
-            <a:lnRef idx="1">
-              <a:schemeClr val="accent1"/>
-            </a:lnRef>
-            <a:fillRef idx="0">
-              <a:schemeClr val="accent1"/>
-            </a:fillRef>
-            <a:effectRef idx="0">
-              <a:schemeClr val="accent1"/>
-            </a:effectRef>
-            <a:fontRef idx="minor">
-              <a:schemeClr val="tx1"/>
-            </a:fontRef>
-          </p:style>
-        </p:cxnSp>
-      </p:grpSp>
-      <p:grpSp>
-        <p:nvGrpSpPr>
-          <p:cNvPr id="92" name="群組 91"/>
-          <p:cNvGrpSpPr/>
-          <p:nvPr/>
-        </p:nvGrpSpPr>
-        <p:grpSpPr>
-          <a:xfrm>
-            <a:off x="9179219" y="14998384"/>
-            <a:ext cx="627659" cy="596951"/>
-            <a:chOff x="-4978400" y="1409700"/>
-            <a:chExt cx="2273300" cy="1384300"/>
-          </a:xfrm>
-        </p:grpSpPr>
-        <p:sp>
-          <p:nvSpPr>
-            <p:cNvPr id="93" name="矩形 92"/>
-            <p:cNvSpPr/>
-            <p:nvPr/>
-          </p:nvSpPr>
-          <p:spPr>
-            <a:xfrm>
-              <a:off x="-4978400" y="1422400"/>
-              <a:ext cx="2260600" cy="1358900"/>
-            </a:xfrm>
-            <a:prstGeom prst="rect">
-              <a:avLst/>
-            </a:prstGeom>
-            <a:noFill/>
-          </p:spPr>
-          <p:style>
-            <a:lnRef idx="2">
-              <a:schemeClr val="accent1">
-                <a:shade val="50000"/>
-              </a:schemeClr>
-            </a:lnRef>
-            <a:fillRef idx="1">
-              <a:schemeClr val="accent1"/>
-            </a:fillRef>
-            <a:effectRef idx="0">
-              <a:schemeClr val="accent1"/>
-            </a:effectRef>
-            <a:fontRef idx="minor">
-              <a:schemeClr val="lt1"/>
-            </a:fontRef>
-          </p:style>
-          <p:txBody>
-            <a:bodyPr rtlCol="0" anchor="ctr"/>
-            <a:lstStyle/>
-            <a:p>
-              <a:pPr algn="ctr"/>
-              <a:endParaRPr lang="zh-TW" altLang="en-US"/>
-            </a:p>
-          </p:txBody>
-        </p:sp>
-        <p:cxnSp>
-          <p:nvCxnSpPr>
-            <p:cNvPr id="94" name="直線接點 93"/>
-            <p:cNvCxnSpPr/>
-            <p:nvPr/>
-          </p:nvCxnSpPr>
-          <p:spPr>
-            <a:xfrm>
-              <a:off x="-4965700" y="1409700"/>
-              <a:ext cx="2260600" cy="1384300"/>
-            </a:xfrm>
-            <a:prstGeom prst="line">
-              <a:avLst/>
-            </a:prstGeom>
-          </p:spPr>
-          <p:style>
-            <a:lnRef idx="1">
-              <a:schemeClr val="accent1"/>
-            </a:lnRef>
-            <a:fillRef idx="0">
-              <a:schemeClr val="accent1"/>
-            </a:fillRef>
-            <a:effectRef idx="0">
-              <a:schemeClr val="accent1"/>
-            </a:effectRef>
-            <a:fontRef idx="minor">
-              <a:schemeClr val="tx1"/>
-            </a:fontRef>
-          </p:style>
-        </p:cxnSp>
-        <p:cxnSp>
-          <p:nvCxnSpPr>
-            <p:cNvPr id="95" name="直線接點 94"/>
-            <p:cNvCxnSpPr/>
-            <p:nvPr/>
-          </p:nvCxnSpPr>
-          <p:spPr>
-            <a:xfrm flipH="1">
-              <a:off x="-4978400" y="1422400"/>
-              <a:ext cx="2260600" cy="1358900"/>
-            </a:xfrm>
-            <a:prstGeom prst="line">
-              <a:avLst/>
-            </a:prstGeom>
-          </p:spPr>
-          <p:style>
-            <a:lnRef idx="1">
-              <a:schemeClr val="accent1"/>
-            </a:lnRef>
-            <a:fillRef idx="0">
-              <a:schemeClr val="accent1"/>
-            </a:fillRef>
-            <a:effectRef idx="0">
-              <a:schemeClr val="accent1"/>
-            </a:effectRef>
-            <a:fontRef idx="minor">
-              <a:schemeClr val="tx1"/>
-            </a:fontRef>
-          </p:style>
-        </p:cxnSp>
-      </p:grpSp>
-      <p:grpSp>
-        <p:nvGrpSpPr>
-          <p:cNvPr id="96" name="群組 95"/>
-          <p:cNvGrpSpPr/>
-          <p:nvPr/>
-        </p:nvGrpSpPr>
-        <p:grpSpPr>
-          <a:xfrm>
-            <a:off x="8207702" y="14998384"/>
-            <a:ext cx="627659" cy="596951"/>
-            <a:chOff x="-4978400" y="1409700"/>
-            <a:chExt cx="2273300" cy="1384300"/>
-          </a:xfrm>
-        </p:grpSpPr>
-        <p:sp>
-          <p:nvSpPr>
-            <p:cNvPr id="97" name="矩形 96"/>
-            <p:cNvSpPr/>
-            <p:nvPr/>
-          </p:nvSpPr>
-          <p:spPr>
-            <a:xfrm>
-              <a:off x="-4978400" y="1422400"/>
-              <a:ext cx="2260600" cy="1358900"/>
-            </a:xfrm>
-            <a:prstGeom prst="rect">
-              <a:avLst/>
-            </a:prstGeom>
-            <a:noFill/>
-          </p:spPr>
-          <p:style>
-            <a:lnRef idx="2">
-              <a:schemeClr val="accent1">
-                <a:shade val="50000"/>
-              </a:schemeClr>
-            </a:lnRef>
-            <a:fillRef idx="1">
-              <a:schemeClr val="accent1"/>
-            </a:fillRef>
-            <a:effectRef idx="0">
-              <a:schemeClr val="accent1"/>
-            </a:effectRef>
-            <a:fontRef idx="minor">
-              <a:schemeClr val="lt1"/>
-            </a:fontRef>
-          </p:style>
-          <p:txBody>
-            <a:bodyPr rtlCol="0" anchor="ctr"/>
-            <a:lstStyle/>
-            <a:p>
-              <a:pPr algn="ctr"/>
-              <a:endParaRPr lang="zh-TW" altLang="en-US"/>
-            </a:p>
-          </p:txBody>
-        </p:sp>
-        <p:cxnSp>
-          <p:nvCxnSpPr>
-            <p:cNvPr id="98" name="直線接點 97"/>
-            <p:cNvCxnSpPr/>
-            <p:nvPr/>
-          </p:nvCxnSpPr>
-          <p:spPr>
-            <a:xfrm>
-              <a:off x="-4965700" y="1409700"/>
-              <a:ext cx="2260600" cy="1384300"/>
-            </a:xfrm>
-            <a:prstGeom prst="line">
-              <a:avLst/>
-            </a:prstGeom>
-          </p:spPr>
-          <p:style>
-            <a:lnRef idx="1">
-              <a:schemeClr val="accent1"/>
-            </a:lnRef>
-            <a:fillRef idx="0">
-              <a:schemeClr val="accent1"/>
-            </a:fillRef>
-            <a:effectRef idx="0">
-              <a:schemeClr val="accent1"/>
-            </a:effectRef>
-            <a:fontRef idx="minor">
-              <a:schemeClr val="tx1"/>
-            </a:fontRef>
-          </p:style>
-        </p:cxnSp>
-        <p:cxnSp>
-          <p:nvCxnSpPr>
-            <p:cNvPr id="99" name="直線接點 98"/>
-            <p:cNvCxnSpPr/>
-            <p:nvPr/>
-          </p:nvCxnSpPr>
-          <p:spPr>
-            <a:xfrm flipH="1">
-              <a:off x="-4978400" y="1422400"/>
-              <a:ext cx="2260600" cy="1358900"/>
-            </a:xfrm>
-            <a:prstGeom prst="line">
-              <a:avLst/>
-            </a:prstGeom>
-          </p:spPr>
-          <p:style>
-            <a:lnRef idx="1">
-              <a:schemeClr val="accent1"/>
-            </a:lnRef>
-            <a:fillRef idx="0">
-              <a:schemeClr val="accent1"/>
-            </a:fillRef>
-            <a:effectRef idx="0">
-              <a:schemeClr val="accent1"/>
-            </a:effectRef>
-            <a:fontRef idx="minor">
-              <a:schemeClr val="tx1"/>
-            </a:fontRef>
-          </p:style>
-        </p:cxnSp>
-      </p:grpSp>
       <p:pic>
         <p:nvPicPr>
           <p:cNvPr id="61" name="圖片 60"/>
@@ -7014,7 +5925,7 @@
         </p:blipFill>
         <p:spPr>
           <a:xfrm>
-            <a:off x="1122310" y="273154"/>
+            <a:off x="434171" y="273154"/>
             <a:ext cx="2858806" cy="1017368"/>
           </a:xfrm>
           <a:prstGeom prst="rect">
@@ -7254,7 +6165,7 @@
         </p:blipFill>
         <p:spPr>
           <a:xfrm>
-            <a:off x="8291178" y="15075573"/>
+            <a:off x="9376316" y="15075573"/>
             <a:ext cx="457200" cy="457200"/>
           </a:xfrm>
           <a:prstGeom prst="rect">
@@ -7284,7 +6195,7 @@
         </p:blipFill>
         <p:spPr>
           <a:xfrm>
-            <a:off x="9282258" y="15078399"/>
+            <a:off x="10367396" y="15078399"/>
             <a:ext cx="457200" cy="457200"/>
           </a:xfrm>
           <a:prstGeom prst="rect">
@@ -7314,7 +6225,7 @@
         </p:blipFill>
         <p:spPr>
           <a:xfrm>
-            <a:off x="10210923" y="15075573"/>
+            <a:off x="11296061" y="15075573"/>
             <a:ext cx="457200" cy="457200"/>
           </a:xfrm>
           <a:prstGeom prst="rect">
@@ -7445,7 +6356,6 @@
               <a:rPr lang="zh-TW" altLang="en-US" dirty="0"/>
               <a:t>，給人舒服的感覺</a:t>
             </a:r>
-            <a:endParaRPr lang="zh-TW" altLang="en-US" dirty="0"/>
           </a:p>
         </p:txBody>
       </p:sp>
